--- a/기초 VR프로그래밍_텍스트알피지_플레이방법.pptx
+++ b/기초 VR프로그래밍_텍스트알피지_플레이방법.pptx
@@ -11,6 +11,7 @@
     <p:sldId id="260" r:id="rId5"/>
     <p:sldId id="261" r:id="rId6"/>
     <p:sldId id="258" r:id="rId7"/>
+    <p:sldId id="262" r:id="rId8"/>
   </p:sldIdLst>
   <p:sldSz cx="12192000" cy="6858000"/>
   <p:notesSz cx="6858000" cy="9144000"/>
@@ -109,6 +110,11 @@
       </a:defRPr>
     </a:lvl9pPr>
   </p:defaultTextStyle>
+  <p:extLst>
+    <p:ext uri="{EFAFB233-063F-42B5-8137-9DF3F51BA10A}">
+      <p15:sldGuideLst xmlns:p15="http://schemas.microsoft.com/office/powerpoint/2012/main"/>
+    </p:ext>
+  </p:extLst>
 </p:presentation>
 </file>
 
@@ -3518,7 +3524,7 @@
         <p:spPr>
           <a:xfrm>
             <a:off x="934496" y="1155561"/>
-            <a:ext cx="5285434" cy="3170099"/>
+            <a:ext cx="5285434" cy="4093428"/>
           </a:xfrm>
           <a:prstGeom prst="rect">
             <a:avLst/>
@@ -3669,7 +3675,68 @@
               </a:rPr>
               <a:t>(6p)</a:t>
             </a:r>
-            <a:endParaRPr lang="ko-KR" altLang="en-US" sz="1600" dirty="0">
+          </a:p>
+          <a:p>
+            <a:pPr marL="342900" indent="-342900">
+              <a:buAutoNum type="arabicPeriod"/>
+            </a:pPr>
+            <a:endParaRPr lang="en-US" altLang="ko-KR" sz="2000" dirty="0">
+              <a:solidFill>
+                <a:schemeClr val="tx1">
+                  <a:lumMod val="65000"/>
+                  <a:lumOff val="35000"/>
+                </a:schemeClr>
+              </a:solidFill>
+            </a:endParaRPr>
+          </a:p>
+          <a:p>
+            <a:pPr marL="342900" indent="-342900">
+              <a:buAutoNum type="arabicPeriod"/>
+            </a:pPr>
+            <a:endParaRPr lang="en-US" altLang="ko-KR" sz="2000" dirty="0">
+              <a:solidFill>
+                <a:schemeClr val="tx1">
+                  <a:lumMod val="65000"/>
+                  <a:lumOff val="35000"/>
+                </a:schemeClr>
+              </a:solidFill>
+            </a:endParaRPr>
+          </a:p>
+          <a:p>
+            <a:pPr marL="342900" indent="-342900">
+              <a:buAutoNum type="arabicPeriod"/>
+            </a:pPr>
+            <a:r>
+              <a:rPr lang="ko-KR" altLang="en-US" sz="2000" dirty="0" err="1"/>
+              <a:t>깃허브</a:t>
+            </a:r>
+            <a:r>
+              <a:rPr lang="ko-KR" altLang="en-US" sz="2000" dirty="0"/>
+              <a:t> 링크 안내</a:t>
+            </a:r>
+            <a:r>
+              <a:rPr lang="ko-KR" altLang="en-US" sz="2000" dirty="0">
+                <a:solidFill>
+                  <a:schemeClr val="tx1">
+                    <a:lumMod val="65000"/>
+                    <a:lumOff val="35000"/>
+                  </a:schemeClr>
+                </a:solidFill>
+              </a:rPr>
+              <a:t> </a:t>
+            </a:r>
+            <a:r>
+              <a:rPr lang="en-US" altLang="ko-KR" sz="1600" dirty="0">
+                <a:solidFill>
+                  <a:schemeClr val="tx1">
+                    <a:lumMod val="65000"/>
+                    <a:lumOff val="35000"/>
+                  </a:schemeClr>
+                </a:solidFill>
+              </a:rPr>
+              <a:t>(7p)</a:t>
+            </a:r>
+            <a:endParaRPr lang="ko-KR" altLang="en-US" sz="2000" dirty="0">
               <a:solidFill>
                 <a:schemeClr val="tx1">
                   <a:lumMod val="65000"/>
@@ -5622,6 +5689,113 @@
 </p:sld>
 </file>
 
+<file path=ppt/slides/slide7.xml><?xml version="1.0" encoding="utf-8"?>
+<p:sld xmlns:a="http://schemas.openxmlformats.org/drawingml/2006/main" xmlns:r="http://schemas.openxmlformats.org/officeDocument/2006/relationships" xmlns:p="http://schemas.openxmlformats.org/presentationml/2006/main">
+  <p:cSld>
+    <p:spTree>
+      <p:nvGrpSpPr>
+        <p:cNvPr id="1" name=""/>
+        <p:cNvGrpSpPr/>
+        <p:nvPr/>
+      </p:nvGrpSpPr>
+      <p:grpSpPr>
+        <a:xfrm>
+          <a:off x="0" y="0"/>
+          <a:ext cx="0" cy="0"/>
+          <a:chOff x="0" y="0"/>
+          <a:chExt cx="0" cy="0"/>
+        </a:xfrm>
+      </p:grpSpPr>
+      <p:sp>
+        <p:nvSpPr>
+          <p:cNvPr id="4" name="직사각형 3">
+            <a:extLst>
+              <a:ext uri="{FF2B5EF4-FFF2-40B4-BE49-F238E27FC236}">
+                <a16:creationId xmlns:a16="http://schemas.microsoft.com/office/drawing/2014/main" id="{46295E53-43B3-48C4-9F0F-8ED6B940F96D}"/>
+              </a:ext>
+            </a:extLst>
+          </p:cNvPr>
+          <p:cNvSpPr/>
+          <p:nvPr/>
+        </p:nvSpPr>
+        <p:spPr>
+          <a:xfrm>
+            <a:off x="558298" y="1049774"/>
+            <a:ext cx="5284203" cy="369332"/>
+          </a:xfrm>
+          <a:prstGeom prst="rect">
+            <a:avLst/>
+          </a:prstGeom>
+        </p:spPr>
+        <p:txBody>
+          <a:bodyPr wrap="none">
+            <a:spAutoFit/>
+          </a:bodyPr>
+          <a:lstStyle/>
+          <a:p>
+            <a:r>
+              <a:rPr lang="ko-KR" altLang="en-US" dirty="0"/>
+              <a:t>https://github.com/JeonJohnson/ConsoleRPG_CS</a:t>
+            </a:r>
+          </a:p>
+        </p:txBody>
+      </p:sp>
+      <p:sp>
+        <p:nvSpPr>
+          <p:cNvPr id="5" name="TextBox 4">
+            <a:extLst>
+              <a:ext uri="{FF2B5EF4-FFF2-40B4-BE49-F238E27FC236}">
+                <a16:creationId xmlns:a16="http://schemas.microsoft.com/office/drawing/2014/main" id="{2B1F176B-D779-43E1-9C68-C1555215CD3B}"/>
+              </a:ext>
+            </a:extLst>
+          </p:cNvPr>
+          <p:cNvSpPr txBox="1"/>
+          <p:nvPr/>
+        </p:nvSpPr>
+        <p:spPr>
+          <a:xfrm>
+            <a:off x="313048" y="249780"/>
+            <a:ext cx="3580970" cy="523220"/>
+          </a:xfrm>
+          <a:prstGeom prst="rect">
+            <a:avLst/>
+          </a:prstGeom>
+          <a:noFill/>
+        </p:spPr>
+        <p:txBody>
+          <a:bodyPr wrap="square" rtlCol="0">
+            <a:spAutoFit/>
+          </a:bodyPr>
+          <a:lstStyle/>
+          <a:p>
+            <a:r>
+              <a:rPr lang="en-US" altLang="ko-KR" sz="2800" b="1" dirty="0"/>
+              <a:t>4. </a:t>
+            </a:r>
+            <a:r>
+              <a:rPr lang="ko-KR" altLang="en-US" sz="2800" b="1" dirty="0" err="1"/>
+              <a:t>깃허브</a:t>
+            </a:r>
+            <a:r>
+              <a:rPr lang="ko-KR" altLang="en-US" sz="2800" b="1" dirty="0"/>
+              <a:t> 링크</a:t>
+            </a:r>
+          </a:p>
+        </p:txBody>
+      </p:sp>
+    </p:spTree>
+    <p:extLst>
+      <p:ext uri="{BB962C8B-B14F-4D97-AF65-F5344CB8AC3E}">
+        <p14:creationId xmlns:p14="http://schemas.microsoft.com/office/powerpoint/2010/main" val="2466024418"/>
+      </p:ext>
+    </p:extLst>
+  </p:cSld>
+  <p:clrMapOvr>
+    <a:masterClrMapping/>
+  </p:clrMapOvr>
+</p:sld>
+</file>
+
 <file path=ppt/theme/theme1.xml><?xml version="1.0" encoding="utf-8"?>
 <a:theme xmlns:a="http://schemas.openxmlformats.org/drawingml/2006/main" name="Office 테마">
   <a:themeElements>
